--- a/docs/Mockups/Dashboard/Goals Mockup.pptx
+++ b/docs/Mockups/Dashboard/Goals Mockup.pptx
@@ -288,7 +288,7 @@
           <a:p>
             <a:fld id="{ECB3C1DC-EE09-436C-876C-1E4BB35BFE0C}" type="datetimeFigureOut">
               <a:rPr lang="en-US" smtClean="0"/>
-              <a:t>1/13/2014</a:t>
+              <a:t>1/14/2014</a:t>
             </a:fld>
             <a:endParaRPr lang="en-US"/>
           </a:p>
@@ -458,7 +458,7 @@
           <a:p>
             <a:fld id="{ECB3C1DC-EE09-436C-876C-1E4BB35BFE0C}" type="datetimeFigureOut">
               <a:rPr lang="en-US" smtClean="0"/>
-              <a:t>1/13/2014</a:t>
+              <a:t>1/14/2014</a:t>
             </a:fld>
             <a:endParaRPr lang="en-US"/>
           </a:p>
@@ -638,7 +638,7 @@
           <a:p>
             <a:fld id="{ECB3C1DC-EE09-436C-876C-1E4BB35BFE0C}" type="datetimeFigureOut">
               <a:rPr lang="en-US" smtClean="0"/>
-              <a:t>1/13/2014</a:t>
+              <a:t>1/14/2014</a:t>
             </a:fld>
             <a:endParaRPr lang="en-US"/>
           </a:p>
@@ -808,7 +808,7 @@
           <a:p>
             <a:fld id="{ECB3C1DC-EE09-436C-876C-1E4BB35BFE0C}" type="datetimeFigureOut">
               <a:rPr lang="en-US" smtClean="0"/>
-              <a:t>1/13/2014</a:t>
+              <a:t>1/14/2014</a:t>
             </a:fld>
             <a:endParaRPr lang="en-US"/>
           </a:p>
@@ -1054,7 +1054,7 @@
           <a:p>
             <a:fld id="{ECB3C1DC-EE09-436C-876C-1E4BB35BFE0C}" type="datetimeFigureOut">
               <a:rPr lang="en-US" smtClean="0"/>
-              <a:t>1/13/2014</a:t>
+              <a:t>1/14/2014</a:t>
             </a:fld>
             <a:endParaRPr lang="en-US"/>
           </a:p>
@@ -1342,7 +1342,7 @@
           <a:p>
             <a:fld id="{ECB3C1DC-EE09-436C-876C-1E4BB35BFE0C}" type="datetimeFigureOut">
               <a:rPr lang="en-US" smtClean="0"/>
-              <a:t>1/13/2014</a:t>
+              <a:t>1/14/2014</a:t>
             </a:fld>
             <a:endParaRPr lang="en-US"/>
           </a:p>
@@ -1764,7 +1764,7 @@
           <a:p>
             <a:fld id="{ECB3C1DC-EE09-436C-876C-1E4BB35BFE0C}" type="datetimeFigureOut">
               <a:rPr lang="en-US" smtClean="0"/>
-              <a:t>1/13/2014</a:t>
+              <a:t>1/14/2014</a:t>
             </a:fld>
             <a:endParaRPr lang="en-US"/>
           </a:p>
@@ -1882,7 +1882,7 @@
           <a:p>
             <a:fld id="{ECB3C1DC-EE09-436C-876C-1E4BB35BFE0C}" type="datetimeFigureOut">
               <a:rPr lang="en-US" smtClean="0"/>
-              <a:t>1/13/2014</a:t>
+              <a:t>1/14/2014</a:t>
             </a:fld>
             <a:endParaRPr lang="en-US"/>
           </a:p>
@@ -1977,7 +1977,7 @@
           <a:p>
             <a:fld id="{ECB3C1DC-EE09-436C-876C-1E4BB35BFE0C}" type="datetimeFigureOut">
               <a:rPr lang="en-US" smtClean="0"/>
-              <a:t>1/13/2014</a:t>
+              <a:t>1/14/2014</a:t>
             </a:fld>
             <a:endParaRPr lang="en-US"/>
           </a:p>
@@ -2254,7 +2254,7 @@
           <a:p>
             <a:fld id="{ECB3C1DC-EE09-436C-876C-1E4BB35BFE0C}" type="datetimeFigureOut">
               <a:rPr lang="en-US" smtClean="0"/>
-              <a:t>1/13/2014</a:t>
+              <a:t>1/14/2014</a:t>
             </a:fld>
             <a:endParaRPr lang="en-US"/>
           </a:p>
@@ -2507,7 +2507,7 @@
           <a:p>
             <a:fld id="{ECB3C1DC-EE09-436C-876C-1E4BB35BFE0C}" type="datetimeFigureOut">
               <a:rPr lang="en-US" smtClean="0"/>
-              <a:t>1/13/2014</a:t>
+              <a:t>1/14/2014</a:t>
             </a:fld>
             <a:endParaRPr lang="en-US"/>
           </a:p>
@@ -2720,7 +2720,7 @@
           <a:p>
             <a:fld id="{ECB3C1DC-EE09-436C-876C-1E4BB35BFE0C}" type="datetimeFigureOut">
               <a:rPr lang="en-US" smtClean="0"/>
-              <a:t>1/13/2014</a:t>
+              <a:t>1/14/2014</a:t>
             </a:fld>
             <a:endParaRPr lang="en-US"/>
           </a:p>
@@ -3337,13 +3337,13 @@
           <a:p>
             <a:pPr>
               <a:tabLst>
-                <a:tab pos="2057400" algn="l"/>
-                <a:tab pos="3371850" algn="l"/>
-                <a:tab pos="4857750" algn="l"/>
+                <a:tab pos="1943100" algn="l"/>
+                <a:tab pos="3486150" algn="l"/>
+                <a:tab pos="4972050" algn="l"/>
               </a:tabLst>
             </a:pPr>
             <a:r>
-              <a:rPr lang="en-US" sz="2000" dirty="0" smtClean="0">
+              <a:rPr lang="en-US" dirty="0" smtClean="0">
                 <a:solidFill>
                   <a:schemeClr val="tx1">
                     <a:lumMod val="50000"/>
@@ -3366,7 +3366,7 @@
               <a:t>	</a:t>
             </a:r>
             <a:r>
-              <a:rPr lang="en-US" b="1" dirty="0" smtClean="0">
+              <a:rPr lang="en-US" sz="2000" b="1" dirty="0" smtClean="0">
                 <a:solidFill>
                   <a:schemeClr val="tx1">
                     <a:lumMod val="50000"/>
@@ -4180,15 +4180,30 @@
         </p:nvSpPr>
         <p:spPr>
           <a:xfrm>
-            <a:off x="2438400" y="1778284"/>
-            <a:ext cx="381000" cy="329627"/>
+            <a:off x="2428875" y="1752601"/>
+            <a:ext cx="457200" cy="386772"/>
           </a:xfrm>
           <a:prstGeom prst="mathPlus">
             <a:avLst/>
           </a:prstGeom>
-          <a:solidFill>
-            <a:schemeClr val="accent6"/>
-          </a:solidFill>
+          <a:gradFill flip="none" rotWithShape="1">
+            <a:gsLst>
+              <a:gs pos="0">
+                <a:srgbClr val="FFC000">
+                  <a:lumMod val="28000"/>
+                  <a:lumOff val="72000"/>
+                </a:srgbClr>
+              </a:gs>
+              <a:gs pos="57000">
+                <a:srgbClr val="FFC000"/>
+              </a:gs>
+              <a:gs pos="100000">
+                <a:srgbClr val="FFC000"/>
+              </a:gs>
+            </a:gsLst>
+            <a:lin ang="10800000" scaled="1"/>
+            <a:tileRect/>
+          </a:gradFill>
           <a:ln w="3175">
             <a:solidFill>
               <a:schemeClr val="tx1">
@@ -4235,17 +4250,34 @@
         </p:nvSpPr>
         <p:spPr>
           <a:xfrm>
-            <a:off x="2438400" y="3044249"/>
-            <a:ext cx="381000" cy="329627"/>
+            <a:off x="2428875" y="2991856"/>
+            <a:ext cx="457200" cy="402077"/>
           </a:xfrm>
           <a:prstGeom prst="mathPlus">
             <a:avLst/>
           </a:prstGeom>
-          <a:solidFill>
-            <a:schemeClr val="bg1">
-              <a:lumMod val="85000"/>
-            </a:schemeClr>
-          </a:solidFill>
+          <a:gradFill flip="none" rotWithShape="1">
+            <a:gsLst>
+              <a:gs pos="0">
+                <a:schemeClr val="bg1">
+                  <a:lumMod val="23000"/>
+                  <a:lumOff val="77000"/>
+                </a:schemeClr>
+              </a:gs>
+              <a:gs pos="66000">
+                <a:schemeClr val="bg1">
+                  <a:lumMod val="85000"/>
+                </a:schemeClr>
+              </a:gs>
+              <a:gs pos="100000">
+                <a:schemeClr val="bg1">
+                  <a:lumMod val="85000"/>
+                </a:schemeClr>
+              </a:gs>
+            </a:gsLst>
+            <a:lin ang="10800000" scaled="1"/>
+            <a:tileRect/>
+          </a:gradFill>
           <a:ln w="3175">
             <a:solidFill>
               <a:schemeClr val="tx1">
@@ -4292,17 +4324,33 @@
         </p:nvSpPr>
         <p:spPr>
           <a:xfrm>
-            <a:off x="2438410" y="4320590"/>
-            <a:ext cx="381000" cy="329627"/>
+            <a:off x="2428875" y="4269647"/>
+            <a:ext cx="457210" cy="431513"/>
           </a:xfrm>
           <a:prstGeom prst="mathPlus">
             <a:avLst/>
           </a:prstGeom>
-          <a:solidFill>
-            <a:schemeClr val="bg1">
-              <a:lumMod val="85000"/>
-            </a:schemeClr>
-          </a:solidFill>
+          <a:gradFill>
+            <a:gsLst>
+              <a:gs pos="0">
+                <a:schemeClr val="bg1">
+                  <a:lumMod val="23000"/>
+                  <a:lumOff val="77000"/>
+                </a:schemeClr>
+              </a:gs>
+              <a:gs pos="66000">
+                <a:schemeClr val="bg1">
+                  <a:lumMod val="85000"/>
+                </a:schemeClr>
+              </a:gs>
+              <a:gs pos="100000">
+                <a:schemeClr val="bg1">
+                  <a:lumMod val="85000"/>
+                </a:schemeClr>
+              </a:gs>
+            </a:gsLst>
+            <a:lin ang="10800000" scaled="1"/>
+          </a:gradFill>
           <a:ln w="3175">
             <a:solidFill>
               <a:schemeClr val="tx1">

--- a/docs/Mockups/Dashboard/Goals Mockup.pptx
+++ b/docs/Mockups/Dashboard/Goals Mockup.pptx
@@ -3409,7 +3409,7 @@
         </p:nvSpPr>
         <p:spPr>
           <a:xfrm>
-            <a:off x="152400" y="1650711"/>
+            <a:off x="533400" y="1650711"/>
             <a:ext cx="1524000" cy="584775"/>
           </a:xfrm>
           <a:prstGeom prst="rect">
@@ -3455,7 +3455,7 @@
         </p:nvSpPr>
         <p:spPr>
           <a:xfrm>
-            <a:off x="166687" y="2900508"/>
+            <a:off x="533400" y="2900508"/>
             <a:ext cx="1752600" cy="584775"/>
           </a:xfrm>
           <a:prstGeom prst="rect">
@@ -3501,7 +3501,7 @@
         </p:nvSpPr>
         <p:spPr>
           <a:xfrm>
-            <a:off x="152400" y="4193017"/>
+            <a:off x="542925" y="4193017"/>
             <a:ext cx="2276475" cy="584775"/>
           </a:xfrm>
           <a:prstGeom prst="rect">
@@ -3706,7 +3706,7 @@
         </p:nvSpPr>
         <p:spPr>
           <a:xfrm>
-            <a:off x="2978943" y="1650711"/>
+            <a:off x="3200400" y="1650711"/>
             <a:ext cx="3481386" cy="381000"/>
           </a:xfrm>
           <a:prstGeom prst="rect">
@@ -3752,7 +3752,7 @@
         </p:nvSpPr>
         <p:spPr>
           <a:xfrm>
-            <a:off x="2926557" y="2876552"/>
+            <a:off x="3148014" y="2876552"/>
             <a:ext cx="3481386" cy="381000"/>
           </a:xfrm>
           <a:prstGeom prst="rect">
@@ -3798,7 +3798,7 @@
         </p:nvSpPr>
         <p:spPr>
           <a:xfrm>
-            <a:off x="2978943" y="2050760"/>
+            <a:off x="3200400" y="2050760"/>
             <a:ext cx="4572000" cy="114302"/>
           </a:xfrm>
           <a:prstGeom prst="rect">
@@ -3853,7 +3853,7 @@
         </p:nvSpPr>
         <p:spPr>
           <a:xfrm>
-            <a:off x="2971800" y="3252934"/>
+            <a:off x="3193257" y="3252934"/>
             <a:ext cx="4572000" cy="114302"/>
           </a:xfrm>
           <a:prstGeom prst="rect">
@@ -3908,7 +3908,7 @@
         </p:nvSpPr>
         <p:spPr>
           <a:xfrm>
-            <a:off x="5264943" y="3257552"/>
+            <a:off x="5486400" y="3257552"/>
             <a:ext cx="2286000" cy="114302"/>
           </a:xfrm>
           <a:prstGeom prst="rect">
@@ -3963,7 +3963,7 @@
         </p:nvSpPr>
         <p:spPr>
           <a:xfrm>
-            <a:off x="8201025" y="1555459"/>
+            <a:off x="8305800" y="1555459"/>
             <a:ext cx="533400" cy="762000"/>
           </a:xfrm>
           <a:prstGeom prst="chevron">
@@ -4036,7 +4036,7 @@
         </p:nvSpPr>
         <p:spPr>
           <a:xfrm>
-            <a:off x="8201025" y="2900508"/>
+            <a:off x="8305800" y="2900508"/>
             <a:ext cx="533400" cy="762000"/>
           </a:xfrm>
           <a:prstGeom prst="chevron">
@@ -4110,7 +4110,7 @@
         </p:nvSpPr>
         <p:spPr>
           <a:xfrm rot="16200000">
-            <a:off x="8201025" y="4104404"/>
+            <a:off x="8305800" y="4109738"/>
             <a:ext cx="533400" cy="762000"/>
           </a:xfrm>
           <a:prstGeom prst="chevron">
@@ -4180,7 +4180,7 @@
         </p:nvSpPr>
         <p:spPr>
           <a:xfrm>
-            <a:off x="2428875" y="1752601"/>
+            <a:off x="2650332" y="1752601"/>
             <a:ext cx="457200" cy="386772"/>
           </a:xfrm>
           <a:prstGeom prst="mathPlus">
@@ -4250,7 +4250,7 @@
         </p:nvSpPr>
         <p:spPr>
           <a:xfrm>
-            <a:off x="2428875" y="2991856"/>
+            <a:off x="2650332" y="2991856"/>
             <a:ext cx="457200" cy="402077"/>
           </a:xfrm>
           <a:prstGeom prst="mathPlus">
@@ -4324,7 +4324,7 @@
         </p:nvSpPr>
         <p:spPr>
           <a:xfrm>
-            <a:off x="2428875" y="4269647"/>
+            <a:off x="2650332" y="4269647"/>
             <a:ext cx="457210" cy="431513"/>
           </a:xfrm>
           <a:prstGeom prst="mathPlus">
@@ -4358,6 +4358,390 @@
                 <a:lumOff val="25000"/>
               </a:schemeClr>
             </a:solidFill>
+          </a:ln>
+        </p:spPr>
+        <p:style>
+          <a:lnRef idx="2">
+            <a:schemeClr val="accent1">
+              <a:shade val="50000"/>
+            </a:schemeClr>
+          </a:lnRef>
+          <a:fillRef idx="1">
+            <a:schemeClr val="accent1"/>
+          </a:fillRef>
+          <a:effectRef idx="0">
+            <a:schemeClr val="accent1"/>
+          </a:effectRef>
+          <a:fontRef idx="minor">
+            <a:schemeClr val="lt1"/>
+          </a:fontRef>
+        </p:style>
+        <p:txBody>
+          <a:bodyPr rtlCol="0" anchor="ctr"/>
+          <a:lstStyle/>
+          <a:p>
+            <a:pPr algn="ctr"/>
+            <a:endParaRPr lang="en-US" dirty="0" smtClean="0">
+              <a:solidFill>
+                <a:schemeClr val="tx1"/>
+              </a:solidFill>
+            </a:endParaRPr>
+          </a:p>
+        </p:txBody>
+      </p:sp>
+      <p:sp>
+        <p:nvSpPr>
+          <p:cNvPr id="24" name="Rounded Rectangle 23"/>
+          <p:cNvSpPr/>
+          <p:nvPr/>
+        </p:nvSpPr>
+        <p:spPr>
+          <a:xfrm>
+            <a:off x="2114550" y="5438775"/>
+            <a:ext cx="5105400" cy="304800"/>
+          </a:xfrm>
+          <a:prstGeom prst="roundRect">
+            <a:avLst/>
+          </a:prstGeom>
+          <a:solidFill>
+            <a:schemeClr val="bg1"/>
+          </a:solidFill>
+          <a:ln w="3175">
+            <a:solidFill>
+              <a:schemeClr val="tx1">
+                <a:lumMod val="75000"/>
+                <a:lumOff val="25000"/>
+              </a:schemeClr>
+            </a:solidFill>
+          </a:ln>
+        </p:spPr>
+        <p:style>
+          <a:lnRef idx="2">
+            <a:schemeClr val="accent1">
+              <a:shade val="50000"/>
+            </a:schemeClr>
+          </a:lnRef>
+          <a:fillRef idx="1">
+            <a:schemeClr val="accent1"/>
+          </a:fillRef>
+          <a:effectRef idx="0">
+            <a:schemeClr val="accent1"/>
+          </a:effectRef>
+          <a:fontRef idx="minor">
+            <a:schemeClr val="lt1"/>
+          </a:fontRef>
+        </p:style>
+        <p:txBody>
+          <a:bodyPr rtlCol="0" anchor="ctr"/>
+          <a:lstStyle/>
+          <a:p>
+            <a:r>
+              <a:rPr lang="en-US" dirty="0" smtClean="0">
+                <a:solidFill>
+                  <a:schemeClr val="tx1">
+                    <a:lumMod val="50000"/>
+                    <a:lumOff val="50000"/>
+                  </a:schemeClr>
+                </a:solidFill>
+                <a:latin typeface="Calibri Light" panose="020F0302020204030204" pitchFamily="34" charset="0"/>
+              </a:rPr>
+              <a:t>Enter an activity to add…</a:t>
+            </a:r>
+            <a:endParaRPr lang="en-US" dirty="0">
+              <a:solidFill>
+                <a:schemeClr val="tx1">
+                  <a:lumMod val="50000"/>
+                  <a:lumOff val="50000"/>
+                </a:schemeClr>
+              </a:solidFill>
+              <a:latin typeface="Calibri Light" panose="020F0302020204030204" pitchFamily="34" charset="0"/>
+            </a:endParaRPr>
+          </a:p>
+        </p:txBody>
+      </p:sp>
+      <p:sp>
+        <p:nvSpPr>
+          <p:cNvPr id="26" name="Multiply 25"/>
+          <p:cNvSpPr/>
+          <p:nvPr/>
+        </p:nvSpPr>
+        <p:spPr>
+          <a:xfrm>
+            <a:off x="95250" y="1745959"/>
+            <a:ext cx="381000" cy="381000"/>
+          </a:xfrm>
+          <a:prstGeom prst="mathMultiply">
+            <a:avLst/>
+          </a:prstGeom>
+          <a:gradFill flip="none" rotWithShape="1">
+            <a:gsLst>
+              <a:gs pos="0">
+                <a:schemeClr val="bg1">
+                  <a:lumMod val="24000"/>
+                  <a:lumOff val="76000"/>
+                </a:schemeClr>
+              </a:gs>
+              <a:gs pos="63000">
+                <a:schemeClr val="bg1">
+                  <a:lumMod val="85000"/>
+                </a:schemeClr>
+              </a:gs>
+              <a:gs pos="100000">
+                <a:schemeClr val="bg1">
+                  <a:lumMod val="85000"/>
+                </a:schemeClr>
+              </a:gs>
+            </a:gsLst>
+            <a:lin ang="10800000" scaled="1"/>
+            <a:tileRect/>
+          </a:gradFill>
+          <a:ln w="3175">
+            <a:solidFill>
+              <a:schemeClr val="tx1">
+                <a:lumMod val="85000"/>
+                <a:lumOff val="15000"/>
+              </a:schemeClr>
+            </a:solidFill>
+          </a:ln>
+        </p:spPr>
+        <p:style>
+          <a:lnRef idx="2">
+            <a:schemeClr val="accent1">
+              <a:shade val="50000"/>
+            </a:schemeClr>
+          </a:lnRef>
+          <a:fillRef idx="1">
+            <a:schemeClr val="accent1"/>
+          </a:fillRef>
+          <a:effectRef idx="0">
+            <a:schemeClr val="accent1"/>
+          </a:effectRef>
+          <a:fontRef idx="minor">
+            <a:schemeClr val="lt1"/>
+          </a:fontRef>
+        </p:style>
+        <p:txBody>
+          <a:bodyPr rtlCol="0" anchor="ctr"/>
+          <a:lstStyle/>
+          <a:p>
+            <a:pPr algn="ctr"/>
+            <a:endParaRPr lang="en-US"/>
+          </a:p>
+        </p:txBody>
+      </p:sp>
+      <p:sp>
+        <p:nvSpPr>
+          <p:cNvPr id="28" name="Multiply 27"/>
+          <p:cNvSpPr/>
+          <p:nvPr/>
+        </p:nvSpPr>
+        <p:spPr>
+          <a:xfrm>
+            <a:off x="95250" y="4294904"/>
+            <a:ext cx="381000" cy="381000"/>
+          </a:xfrm>
+          <a:prstGeom prst="mathMultiply">
+            <a:avLst/>
+          </a:prstGeom>
+          <a:gradFill flip="none" rotWithShape="1">
+            <a:gsLst>
+              <a:gs pos="0">
+                <a:schemeClr val="bg1">
+                  <a:lumMod val="24000"/>
+                  <a:lumOff val="76000"/>
+                </a:schemeClr>
+              </a:gs>
+              <a:gs pos="63000">
+                <a:schemeClr val="bg1">
+                  <a:lumMod val="85000"/>
+                </a:schemeClr>
+              </a:gs>
+              <a:gs pos="100000">
+                <a:schemeClr val="bg1">
+                  <a:lumMod val="85000"/>
+                </a:schemeClr>
+              </a:gs>
+            </a:gsLst>
+            <a:lin ang="10800000" scaled="1"/>
+            <a:tileRect/>
+          </a:gradFill>
+          <a:ln w="3175">
+            <a:solidFill>
+              <a:schemeClr val="tx1">
+                <a:lumMod val="85000"/>
+                <a:lumOff val="15000"/>
+              </a:schemeClr>
+            </a:solidFill>
+          </a:ln>
+        </p:spPr>
+        <p:style>
+          <a:lnRef idx="2">
+            <a:schemeClr val="accent1">
+              <a:shade val="50000"/>
+            </a:schemeClr>
+          </a:lnRef>
+          <a:fillRef idx="1">
+            <a:schemeClr val="accent1"/>
+          </a:fillRef>
+          <a:effectRef idx="0">
+            <a:schemeClr val="accent1"/>
+          </a:effectRef>
+          <a:fontRef idx="minor">
+            <a:schemeClr val="lt1"/>
+          </a:fontRef>
+        </p:style>
+        <p:txBody>
+          <a:bodyPr rtlCol="0" anchor="ctr"/>
+          <a:lstStyle/>
+          <a:p>
+            <a:pPr algn="ctr"/>
+            <a:endParaRPr lang="en-US"/>
+          </a:p>
+        </p:txBody>
+      </p:sp>
+      <p:sp>
+        <p:nvSpPr>
+          <p:cNvPr id="30" name="Multiply 29"/>
+          <p:cNvSpPr/>
+          <p:nvPr/>
+        </p:nvSpPr>
+        <p:spPr>
+          <a:xfrm>
+            <a:off x="95250" y="3002394"/>
+            <a:ext cx="381000" cy="381000"/>
+          </a:xfrm>
+          <a:prstGeom prst="mathMultiply">
+            <a:avLst/>
+          </a:prstGeom>
+          <a:gradFill flip="none" rotWithShape="1">
+            <a:gsLst>
+              <a:gs pos="0">
+                <a:schemeClr val="bg1">
+                  <a:lumMod val="24000"/>
+                  <a:lumOff val="76000"/>
+                </a:schemeClr>
+              </a:gs>
+              <a:gs pos="63000">
+                <a:schemeClr val="bg1">
+                  <a:lumMod val="85000"/>
+                </a:schemeClr>
+              </a:gs>
+              <a:gs pos="100000">
+                <a:schemeClr val="bg1">
+                  <a:lumMod val="85000"/>
+                </a:schemeClr>
+              </a:gs>
+            </a:gsLst>
+            <a:lin ang="10800000" scaled="1"/>
+            <a:tileRect/>
+          </a:gradFill>
+          <a:ln w="3175">
+            <a:solidFill>
+              <a:schemeClr val="tx1">
+                <a:lumMod val="85000"/>
+                <a:lumOff val="15000"/>
+              </a:schemeClr>
+            </a:solidFill>
+          </a:ln>
+        </p:spPr>
+        <p:style>
+          <a:lnRef idx="2">
+            <a:schemeClr val="accent1">
+              <a:shade val="50000"/>
+            </a:schemeClr>
+          </a:lnRef>
+          <a:fillRef idx="1">
+            <a:schemeClr val="accent1"/>
+          </a:fillRef>
+          <a:effectRef idx="0">
+            <a:schemeClr val="accent1"/>
+          </a:effectRef>
+          <a:fontRef idx="minor">
+            <a:schemeClr val="lt1"/>
+          </a:fontRef>
+        </p:style>
+        <p:txBody>
+          <a:bodyPr rtlCol="0" anchor="ctr"/>
+          <a:lstStyle/>
+          <a:p>
+            <a:pPr algn="ctr"/>
+            <a:endParaRPr lang="en-US"/>
+          </a:p>
+        </p:txBody>
+      </p:sp>
+      <p:sp>
+        <p:nvSpPr>
+          <p:cNvPr id="2" name="Rectangle 1"/>
+          <p:cNvSpPr/>
+          <p:nvPr/>
+        </p:nvSpPr>
+        <p:spPr>
+          <a:xfrm>
+            <a:off x="9525" y="1650711"/>
+            <a:ext cx="581025" cy="3378489"/>
+          </a:xfrm>
+          <a:prstGeom prst="rect">
+            <a:avLst/>
+          </a:prstGeom>
+          <a:solidFill>
+            <a:schemeClr val="bg1">
+              <a:alpha val="80000"/>
+            </a:schemeClr>
+          </a:solidFill>
+          <a:ln w="3175">
+            <a:noFill/>
+          </a:ln>
+        </p:spPr>
+        <p:style>
+          <a:lnRef idx="2">
+            <a:schemeClr val="accent1">
+              <a:shade val="50000"/>
+            </a:schemeClr>
+          </a:lnRef>
+          <a:fillRef idx="1">
+            <a:schemeClr val="accent1"/>
+          </a:fillRef>
+          <a:effectRef idx="0">
+            <a:schemeClr val="accent1"/>
+          </a:effectRef>
+          <a:fontRef idx="minor">
+            <a:schemeClr val="lt1"/>
+          </a:fontRef>
+        </p:style>
+        <p:txBody>
+          <a:bodyPr rtlCol="0" anchor="ctr"/>
+          <a:lstStyle/>
+          <a:p>
+            <a:pPr algn="ctr"/>
+            <a:endParaRPr lang="en-US" dirty="0" smtClean="0">
+              <a:solidFill>
+                <a:schemeClr val="tx1"/>
+              </a:solidFill>
+            </a:endParaRPr>
+          </a:p>
+        </p:txBody>
+      </p:sp>
+      <p:sp>
+        <p:nvSpPr>
+          <p:cNvPr id="31" name="Rectangle 30"/>
+          <p:cNvSpPr/>
+          <p:nvPr/>
+        </p:nvSpPr>
+        <p:spPr>
+          <a:xfrm>
+            <a:off x="2650332" y="2667000"/>
+            <a:ext cx="495305" cy="2362200"/>
+          </a:xfrm>
+          <a:prstGeom prst="rect">
+            <a:avLst/>
+          </a:prstGeom>
+          <a:solidFill>
+            <a:schemeClr val="bg1">
+              <a:alpha val="80000"/>
+            </a:schemeClr>
+          </a:solidFill>
+          <a:ln w="3175">
+            <a:noFill/>
           </a:ln>
         </p:spPr>
         <p:style>
